--- a/PP_WebJapanese.pptx
+++ b/PP_WebJapanese.pptx
@@ -360,7 +360,7 @@
           <a:p>
             <a:fld id="{A782C7B4-6875-4084-9C14-2C96A1631CD6}" type="datetimeFigureOut">
               <a:rPr lang="en-US" smtClean="0"/>
-              <a:t>12/10/19</a:t>
+              <a:t>12/11/2019</a:t>
             </a:fld>
             <a:endParaRPr lang="en-US"/>
           </a:p>
@@ -9425,6 +9425,13 @@
   <p:clrMapOvr>
     <a:masterClrMapping/>
   </p:clrMapOvr>
+  <p:timing>
+    <p:tnLst>
+      <p:par>
+        <p:cTn id="1" dur="indefinite" restart="never" nodeType="tmRoot"/>
+      </p:par>
+    </p:tnLst>
+  </p:timing>
 </p:sld>
 </file>
 
@@ -9552,6 +9559,13 @@
   <p:clrMapOvr>
     <a:masterClrMapping/>
   </p:clrMapOvr>
+  <p:timing>
+    <p:tnLst>
+      <p:par>
+        <p:cTn id="1" dur="indefinite" restart="never" nodeType="tmRoot"/>
+      </p:par>
+    </p:tnLst>
+  </p:timing>
 </p:sld>
 </file>
 
@@ -9679,6 +9693,13 @@
   <p:clrMapOvr>
     <a:masterClrMapping/>
   </p:clrMapOvr>
+  <p:timing>
+    <p:tnLst>
+      <p:par>
+        <p:cTn id="1" dur="indefinite" restart="never" nodeType="tmRoot"/>
+      </p:par>
+    </p:tnLst>
+  </p:timing>
 </p:sld>
 </file>
 
@@ -9798,7 +9819,7 @@
         </p:blipFill>
         <p:spPr>
           <a:xfrm>
-            <a:off x="152400" y="1207400"/>
+            <a:off x="152400" y="1216636"/>
             <a:ext cx="8839200" cy="3491912"/>
           </a:xfrm>
           <a:prstGeom prst="rect">
@@ -9847,6 +9868,13 @@
   <p:clrMapOvr>
     <a:masterClrMapping/>
   </p:clrMapOvr>
+  <p:timing>
+    <p:tnLst>
+      <p:par>
+        <p:cTn id="1" dur="indefinite" restart="never" nodeType="tmRoot"/>
+      </p:par>
+    </p:tnLst>
+  </p:timing>
 </p:sld>
 </file>
 
@@ -9946,6 +9974,13 @@
   <p:clrMapOvr>
     <a:masterClrMapping/>
   </p:clrMapOvr>
+  <p:timing>
+    <p:tnLst>
+      <p:par>
+        <p:cTn id="1" dur="indefinite" restart="never" nodeType="tmRoot"/>
+      </p:par>
+    </p:tnLst>
+  </p:timing>
 </p:sld>
 </file>
 
@@ -11215,7 +11250,40 @@
                   <a:srgbClr val="FFFFFF"/>
                 </a:highlight>
               </a:rPr>
-              <a:t>Giới Thiệu​</a:t>
+              <a:t>Giới </a:t>
+            </a:r>
+            <a:r>
+              <a:rPr lang="en-US" sz="2050" dirty="0" smtClean="0">
+                <a:solidFill>
+                  <a:schemeClr val="dk1"/>
+                </a:solidFill>
+                <a:highlight>
+                  <a:srgbClr val="FFFFFF"/>
+                </a:highlight>
+              </a:rPr>
+              <a:t>t</a:t>
+            </a:r>
+            <a:r>
+              <a:rPr lang="vi" sz="2050" dirty="0" smtClean="0">
+                <a:solidFill>
+                  <a:schemeClr val="dk1"/>
+                </a:solidFill>
+                <a:highlight>
+                  <a:srgbClr val="FFFFFF"/>
+                </a:highlight>
+              </a:rPr>
+              <a:t>hiệu</a:t>
+            </a:r>
+            <a:r>
+              <a:rPr lang="vi" sz="2050" dirty="0">
+                <a:solidFill>
+                  <a:schemeClr val="dk1"/>
+                </a:solidFill>
+                <a:highlight>
+                  <a:srgbClr val="FFFFFF"/>
+                </a:highlight>
+              </a:rPr>
+              <a:t>​</a:t>
             </a:r>
             <a:endParaRPr sz="2050" dirty="0">
               <a:solidFill>
@@ -11326,7 +11394,40 @@
                   <a:srgbClr val="FFFFFF"/>
                 </a:highlight>
               </a:rPr>
-              <a:t>Nội Dung​</a:t>
+              <a:t>Nội </a:t>
+            </a:r>
+            <a:r>
+              <a:rPr lang="en-US" sz="2050" dirty="0">
+                <a:solidFill>
+                  <a:schemeClr val="dk1"/>
+                </a:solidFill>
+                <a:highlight>
+                  <a:srgbClr val="FFFFFF"/>
+                </a:highlight>
+              </a:rPr>
+              <a:t>d</a:t>
+            </a:r>
+            <a:r>
+              <a:rPr lang="vi" sz="2050" dirty="0" smtClean="0">
+                <a:solidFill>
+                  <a:schemeClr val="dk1"/>
+                </a:solidFill>
+                <a:highlight>
+                  <a:srgbClr val="FFFFFF"/>
+                </a:highlight>
+              </a:rPr>
+              <a:t>ung</a:t>
+            </a:r>
+            <a:r>
+              <a:rPr lang="vi" sz="2050" dirty="0">
+                <a:solidFill>
+                  <a:schemeClr val="dk1"/>
+                </a:solidFill>
+                <a:highlight>
+                  <a:srgbClr val="FFFFFF"/>
+                </a:highlight>
+              </a:rPr>
+              <a:t>​</a:t>
             </a:r>
             <a:endParaRPr sz="2050" dirty="0">
               <a:solidFill>
@@ -11585,7 +11686,29 @@
                   <a:srgbClr val="FFFFFF"/>
                 </a:highlight>
               </a:rPr>
-              <a:t>Kết Luận</a:t>
+              <a:t>Kết </a:t>
+            </a:r>
+            <a:r>
+              <a:rPr lang="en-US" sz="2050" dirty="0" smtClean="0">
+                <a:solidFill>
+                  <a:schemeClr val="dk1"/>
+                </a:solidFill>
+                <a:highlight>
+                  <a:srgbClr val="FFFFFF"/>
+                </a:highlight>
+              </a:rPr>
+              <a:t>l</a:t>
+            </a:r>
+            <a:r>
+              <a:rPr lang="vi" sz="2050" dirty="0" smtClean="0">
+                <a:solidFill>
+                  <a:schemeClr val="dk1"/>
+                </a:solidFill>
+                <a:highlight>
+                  <a:srgbClr val="FFFFFF"/>
+                </a:highlight>
+              </a:rPr>
+              <a:t>uận</a:t>
             </a:r>
             <a:endParaRPr sz="2050" dirty="0">
               <a:solidFill>
@@ -11647,6 +11770,13 @@
   <p:clrMapOvr>
     <a:masterClrMapping/>
   </p:clrMapOvr>
+  <p:timing>
+    <p:tnLst>
+      <p:par>
+        <p:cTn id="1" dur="indefinite" restart="never" nodeType="tmRoot"/>
+      </p:par>
+    </p:tnLst>
+  </p:timing>
 </p:sld>
 </file>
 
@@ -11767,7 +11897,7 @@
         </p:nvSpPr>
         <p:spPr>
           <a:xfrm>
-            <a:off x="321012" y="1699325"/>
+            <a:off x="305979" y="1597725"/>
             <a:ext cx="8532043" cy="3355500"/>
           </a:xfrm>
           <a:prstGeom prst="rect">
@@ -11916,7 +12046,27 @@
             </a:pPr>
             <a:r>
               <a:rPr lang="vi" sz="1600" dirty="0"/>
-              <a:t>Hiểu thêm được văn hoá, con người Nhât - đất nước mà chúng ta nên noi the</a:t>
+              <a:t>Hiểu thêm được văn hoá, con người </a:t>
+            </a:r>
+            <a:r>
+              <a:rPr lang="vi" sz="1600" dirty="0" smtClean="0"/>
+              <a:t>Nh</a:t>
+            </a:r>
+            <a:r>
+              <a:rPr lang="en-US" sz="1600" dirty="0" err="1" smtClean="0"/>
+              <a:t>ậ</a:t>
+            </a:r>
+            <a:r>
+              <a:rPr lang="en-US" sz="1600" dirty="0" err="1"/>
+              <a:t>t</a:t>
+            </a:r>
+            <a:r>
+              <a:rPr lang="vi" sz="1600" dirty="0" smtClean="0"/>
+              <a:t> </a:t>
+            </a:r>
+            <a:r>
+              <a:rPr lang="vi" sz="1600" dirty="0"/>
+              <a:t>- đất nước mà chúng ta nên noi the</a:t>
             </a:r>
             <a:r>
               <a:rPr lang="en-US" sz="1600" dirty="0"/>
@@ -11963,6 +12113,13 @@
   <p:clrMapOvr>
     <a:masterClrMapping/>
   </p:clrMapOvr>
+  <p:timing>
+    <p:tnLst>
+      <p:par>
+        <p:cTn id="1" dur="indefinite" restart="never" nodeType="tmRoot"/>
+      </p:par>
+    </p:tnLst>
+  </p:timing>
 </p:sld>
 </file>
 
@@ -12235,6 +12392,13 @@
   <p:clrMapOvr>
     <a:masterClrMapping/>
   </p:clrMapOvr>
+  <p:timing>
+    <p:tnLst>
+      <p:par>
+        <p:cTn id="1" dur="indefinite" restart="never" nodeType="tmRoot"/>
+      </p:par>
+    </p:tnLst>
+  </p:timing>
 </p:sld>
 </file>
 
@@ -12405,10 +12569,10 @@
               <a:buNone/>
             </a:pPr>
             <a:r>
-              <a:rPr lang="vi" sz="1800"/>
+              <a:rPr lang="vi" sz="1800" dirty="0"/>
               <a:t>Website1: “NHK WORLD - JAPAN”</a:t>
             </a:r>
-            <a:endParaRPr sz="1800"/>
+            <a:endParaRPr sz="1800" dirty="0"/>
           </a:p>
           <a:p>
             <a:pPr marL="457200" lvl="0" indent="0" algn="l" rtl="0">
@@ -12420,7 +12584,7 @@
               </a:spcAft>
               <a:buNone/>
             </a:pPr>
-            <a:endParaRPr/>
+            <a:endParaRPr dirty="0"/>
           </a:p>
         </p:txBody>
       </p:sp>
@@ -12489,6 +12653,13 @@
   <p:clrMapOvr>
     <a:masterClrMapping/>
   </p:clrMapOvr>
+  <p:timing>
+    <p:tnLst>
+      <p:par>
+        <p:cTn id="1" dur="indefinite" restart="never" nodeType="tmRoot"/>
+      </p:par>
+    </p:tnLst>
+  </p:timing>
 </p:sld>
 </file>
 
@@ -12544,10 +12715,10 @@
               <a:buNone/>
             </a:pPr>
             <a:r>
-              <a:rPr lang="vi" sz="1800"/>
+              <a:rPr lang="vi" sz="1800" dirty="0"/>
               <a:t>Website2: “duolingo”</a:t>
             </a:r>
-            <a:endParaRPr sz="1800"/>
+            <a:endParaRPr sz="1800" dirty="0"/>
           </a:p>
         </p:txBody>
       </p:sp>
@@ -12616,6 +12787,13 @@
   <p:clrMapOvr>
     <a:masterClrMapping/>
   </p:clrMapOvr>
+  <p:timing>
+    <p:tnLst>
+      <p:par>
+        <p:cTn id="1" dur="indefinite" restart="never" nodeType="tmRoot"/>
+      </p:par>
+    </p:tnLst>
+  </p:timing>
 </p:sld>
 </file>
 
@@ -12686,34 +12864,6 @@
           </a:p>
         </p:txBody>
       </p:sp>
-      <p:pic>
-        <p:nvPicPr>
-          <p:cNvPr id="98" name="Google Shape;98;p19"/>
-          <p:cNvPicPr preferRelativeResize="0"/>
-          <p:nvPr/>
-        </p:nvPicPr>
-        <p:blipFill>
-          <a:blip r:embed="rId3">
-            <a:alphaModFix/>
-          </a:blip>
-          <a:stretch>
-            <a:fillRect/>
-          </a:stretch>
-        </p:blipFill>
-        <p:spPr>
-          <a:xfrm>
-            <a:off x="1451412" y="1145575"/>
-            <a:ext cx="6045526" cy="3886099"/>
-          </a:xfrm>
-          <a:prstGeom prst="rect">
-            <a:avLst/>
-          </a:prstGeom>
-          <a:noFill/>
-          <a:ln>
-            <a:noFill/>
-          </a:ln>
-        </p:spPr>
-      </p:pic>
       <p:sp>
         <p:nvSpPr>
           <p:cNvPr id="6" name="Slide Number Placeholder 5"/>
@@ -12746,11 +12896,42 @@
           </a:p>
         </p:txBody>
       </p:sp>
+      <p:pic>
+        <p:nvPicPr>
+          <p:cNvPr id="3" name="Picture 2"/>
+          <p:cNvPicPr>
+            <a:picLocks noChangeAspect="1"/>
+          </p:cNvPicPr>
+          <p:nvPr/>
+        </p:nvPicPr>
+        <p:blipFill>
+          <a:blip r:embed="rId3"/>
+          <a:stretch>
+            <a:fillRect/>
+          </a:stretch>
+        </p:blipFill>
+        <p:spPr>
+          <a:xfrm>
+            <a:off x="1103086" y="974143"/>
+            <a:ext cx="6761246" cy="4169357"/>
+          </a:xfrm>
+          <a:prstGeom prst="rect">
+            <a:avLst/>
+          </a:prstGeom>
+        </p:spPr>
+      </p:pic>
     </p:spTree>
   </p:cSld>
   <p:clrMapOvr>
     <a:masterClrMapping/>
   </p:clrMapOvr>
+  <p:timing>
+    <p:tnLst>
+      <p:par>
+        <p:cTn id="1" dur="indefinite" restart="never" nodeType="tmRoot"/>
+      </p:par>
+    </p:tnLst>
+  </p:timing>
 </p:sld>
 </file>
 
@@ -12902,6 +13083,13 @@
   <p:clrMapOvr>
     <a:masterClrMapping/>
   </p:clrMapOvr>
+  <p:timing>
+    <p:tnLst>
+      <p:par>
+        <p:cTn id="1" dur="indefinite" restart="never" nodeType="tmRoot"/>
+      </p:par>
+    </p:tnLst>
+  </p:timing>
 </p:sld>
 </file>
 
@@ -13096,6 +13284,13 @@
   <p:clrMapOvr>
     <a:masterClrMapping/>
   </p:clrMapOvr>
+  <p:timing>
+    <p:tnLst>
+      <p:par>
+        <p:cTn id="1" dur="indefinite" restart="never" nodeType="tmRoot"/>
+      </p:par>
+    </p:tnLst>
+  </p:timing>
 </p:sld>
 </file>
 

--- a/PP_WebJapanese.pptx
+++ b/PP_WebJapanese.pptx
@@ -360,7 +360,7 @@
           <a:p>
             <a:fld id="{A782C7B4-6875-4084-9C14-2C96A1631CD6}" type="datetimeFigureOut">
               <a:rPr lang="en-US" smtClean="0"/>
-              <a:t>12/11/2019</a:t>
+              <a:t>12/12/2019</a:t>
             </a:fld>
             <a:endParaRPr lang="en-US"/>
           </a:p>
@@ -12898,7 +12898,7 @@
       </p:sp>
       <p:pic>
         <p:nvPicPr>
-          <p:cNvPr id="3" name="Picture 2"/>
+          <p:cNvPr id="2" name="Picture 1"/>
           <p:cNvPicPr>
             <a:picLocks noChangeAspect="1"/>
           </p:cNvPicPr>
@@ -12912,8 +12912,8 @@
         </p:blipFill>
         <p:spPr>
           <a:xfrm>
-            <a:off x="1103086" y="974143"/>
-            <a:ext cx="6761246" cy="4169357"/>
+            <a:off x="1231543" y="1019083"/>
+            <a:ext cx="6680913" cy="4124417"/>
           </a:xfrm>
           <a:prstGeom prst="rect">
             <a:avLst/>
@@ -13018,34 +13018,6 @@
           </a:p>
         </p:txBody>
       </p:sp>
-      <p:pic>
-        <p:nvPicPr>
-          <p:cNvPr id="104" name="Google Shape;104;p20"/>
-          <p:cNvPicPr preferRelativeResize="0"/>
-          <p:nvPr/>
-        </p:nvPicPr>
-        <p:blipFill>
-          <a:blip r:embed="rId3">
-            <a:alphaModFix/>
-          </a:blip>
-          <a:stretch>
-            <a:fillRect/>
-          </a:stretch>
-        </p:blipFill>
-        <p:spPr>
-          <a:xfrm>
-            <a:off x="223625" y="985100"/>
-            <a:ext cx="8696749" cy="3956050"/>
-          </a:xfrm>
-          <a:prstGeom prst="rect">
-            <a:avLst/>
-          </a:prstGeom>
-          <a:noFill/>
-          <a:ln>
-            <a:noFill/>
-          </a:ln>
-        </p:spPr>
-      </p:pic>
       <p:sp>
         <p:nvSpPr>
           <p:cNvPr id="6" name="Slide Number Placeholder 5"/>
@@ -13078,6 +13050,30 @@
           </a:p>
         </p:txBody>
       </p:sp>
+      <p:pic>
+        <p:nvPicPr>
+          <p:cNvPr id="2" name="Picture 1"/>
+          <p:cNvPicPr>
+            <a:picLocks noChangeAspect="1"/>
+          </p:cNvPicPr>
+          <p:nvPr/>
+        </p:nvPicPr>
+        <p:blipFill>
+          <a:blip r:embed="rId3"/>
+          <a:stretch>
+            <a:fillRect/>
+          </a:stretch>
+        </p:blipFill>
+        <p:spPr>
+          <a:xfrm>
+            <a:off x="464948" y="1188891"/>
+            <a:ext cx="8367351" cy="3867926"/>
+          </a:xfrm>
+          <a:prstGeom prst="rect">
+            <a:avLst/>
+          </a:prstGeom>
+        </p:spPr>
+      </p:pic>
     </p:spTree>
   </p:cSld>
   <p:clrMapOvr>
